--- a/ppt 16-9/1212.惜年快过.pptx
+++ b/ppt 16-9/1212.惜年快过.pptx
@@ -129,7 +129,7 @@
           <p:cNvPr id="2" name="标题 1">
             <a:extLst>
               <a:ext uri="{FF2B5EF4-FFF2-40B4-BE49-F238E27FC236}">
-                <a16:creationId xmlns:a16="http://schemas.microsoft.com/office/drawing/2014/main" id="{8773D7ED-BD57-4126-3DFD-A44B5C27CCC4}"/>
+                <a16:creationId xmlns:a16="http://schemas.microsoft.com/office/drawing/2014/main" id="{87B87C24-BAEF-64CF-F882-325F01F0C174}"/>
               </a:ext>
             </a:extLst>
           </p:cNvPr>
@@ -166,7 +166,7 @@
           <p:cNvPr id="3" name="副标题 2">
             <a:extLst>
               <a:ext uri="{FF2B5EF4-FFF2-40B4-BE49-F238E27FC236}">
-                <a16:creationId xmlns:a16="http://schemas.microsoft.com/office/drawing/2014/main" id="{AFE7455A-77F5-E69E-9ED1-A398D98992EB}"/>
+                <a16:creationId xmlns:a16="http://schemas.microsoft.com/office/drawing/2014/main" id="{DC878469-D21B-0F00-10CB-DB0816C1A699}"/>
               </a:ext>
             </a:extLst>
           </p:cNvPr>
@@ -236,7 +236,7 @@
           <p:cNvPr id="4" name="日期占位符 3">
             <a:extLst>
               <a:ext uri="{FF2B5EF4-FFF2-40B4-BE49-F238E27FC236}">
-                <a16:creationId xmlns:a16="http://schemas.microsoft.com/office/drawing/2014/main" id="{411B5E58-F925-3620-0816-321C99CF8DCE}"/>
+                <a16:creationId xmlns:a16="http://schemas.microsoft.com/office/drawing/2014/main" id="{E50F4B20-528B-2DBA-AD38-FD422244F741}"/>
               </a:ext>
             </a:extLst>
           </p:cNvPr>
@@ -252,7 +252,7 @@
           <a:bodyPr/>
           <a:lstStyle/>
           <a:p>
-            <a:fld id="{2A4A124D-58F0-4B7E-BE69-EBB7F9A15785}" type="datetimeFigureOut">
+            <a:fld id="{9EE7BD8A-C7F3-420D-B80B-18557EDA7131}" type="datetimeFigureOut">
               <a:rPr lang="zh-CN" altLang="en-US" smtClean="0"/>
               <a:t>2024/3/10</a:t>
             </a:fld>
@@ -265,7 +265,7 @@
           <p:cNvPr id="5" name="页脚占位符 4">
             <a:extLst>
               <a:ext uri="{FF2B5EF4-FFF2-40B4-BE49-F238E27FC236}">
-                <a16:creationId xmlns:a16="http://schemas.microsoft.com/office/drawing/2014/main" id="{DA08ABB4-07FA-0A68-6EA6-403F76F3E8A5}"/>
+                <a16:creationId xmlns:a16="http://schemas.microsoft.com/office/drawing/2014/main" id="{C4372591-5B1D-E75C-208B-72617E069357}"/>
               </a:ext>
             </a:extLst>
           </p:cNvPr>
@@ -290,7 +290,7 @@
           <p:cNvPr id="6" name="灯片编号占位符 5">
             <a:extLst>
               <a:ext uri="{FF2B5EF4-FFF2-40B4-BE49-F238E27FC236}">
-                <a16:creationId xmlns:a16="http://schemas.microsoft.com/office/drawing/2014/main" id="{9C768504-1DBC-8B5E-B362-968BC5B5EE32}"/>
+                <a16:creationId xmlns:a16="http://schemas.microsoft.com/office/drawing/2014/main" id="{E96E3F57-1F3A-6C71-FF78-80235BF49581}"/>
               </a:ext>
             </a:extLst>
           </p:cNvPr>
@@ -306,7 +306,7 @@
           <a:bodyPr/>
           <a:lstStyle/>
           <a:p>
-            <a:fld id="{C35AA965-74EC-48C2-9BAB-0CE57B6ACF2E}" type="slidenum">
+            <a:fld id="{449A0FC9-C317-4A58-8FB1-97B71D2050F0}" type="slidenum">
               <a:rPr lang="zh-CN" altLang="en-US" smtClean="0"/>
               <a:t>‹#›</a:t>
             </a:fld>
@@ -317,7 +317,7 @@
     </p:spTree>
     <p:extLst>
       <p:ext uri="{BB962C8B-B14F-4D97-AF65-F5344CB8AC3E}">
-        <p14:creationId xmlns:p14="http://schemas.microsoft.com/office/powerpoint/2010/main" val="3993003820"/>
+        <p14:creationId xmlns:p14="http://schemas.microsoft.com/office/powerpoint/2010/main" val="1664559126"/>
       </p:ext>
     </p:extLst>
   </p:cSld>
@@ -349,7 +349,7 @@
           <p:cNvPr id="2" name="标题 1">
             <a:extLst>
               <a:ext uri="{FF2B5EF4-FFF2-40B4-BE49-F238E27FC236}">
-                <a16:creationId xmlns:a16="http://schemas.microsoft.com/office/drawing/2014/main" id="{DD548E88-0200-AE1C-0296-B31F49EE9149}"/>
+                <a16:creationId xmlns:a16="http://schemas.microsoft.com/office/drawing/2014/main" id="{EA31EC62-8E47-F1B7-D44C-C9D5F02946E2}"/>
               </a:ext>
             </a:extLst>
           </p:cNvPr>
@@ -377,7 +377,7 @@
           <p:cNvPr id="3" name="竖排文字占位符 2">
             <a:extLst>
               <a:ext uri="{FF2B5EF4-FFF2-40B4-BE49-F238E27FC236}">
-                <a16:creationId xmlns:a16="http://schemas.microsoft.com/office/drawing/2014/main" id="{897B679E-BA94-6816-2302-BB3EB305328E}"/>
+                <a16:creationId xmlns:a16="http://schemas.microsoft.com/office/drawing/2014/main" id="{2E745818-ADA7-0009-2B38-858A7E67997F}"/>
               </a:ext>
             </a:extLst>
           </p:cNvPr>
@@ -434,7 +434,7 @@
           <p:cNvPr id="4" name="日期占位符 3">
             <a:extLst>
               <a:ext uri="{FF2B5EF4-FFF2-40B4-BE49-F238E27FC236}">
-                <a16:creationId xmlns:a16="http://schemas.microsoft.com/office/drawing/2014/main" id="{D1F01D92-8C65-83A5-3BFE-F0DCC50ECEE4}"/>
+                <a16:creationId xmlns:a16="http://schemas.microsoft.com/office/drawing/2014/main" id="{2A0AA218-0B4E-3CB7-8C51-FD6297E75DE7}"/>
               </a:ext>
             </a:extLst>
           </p:cNvPr>
@@ -450,7 +450,7 @@
           <a:bodyPr/>
           <a:lstStyle/>
           <a:p>
-            <a:fld id="{2A4A124D-58F0-4B7E-BE69-EBB7F9A15785}" type="datetimeFigureOut">
+            <a:fld id="{9EE7BD8A-C7F3-420D-B80B-18557EDA7131}" type="datetimeFigureOut">
               <a:rPr lang="zh-CN" altLang="en-US" smtClean="0"/>
               <a:t>2024/3/10</a:t>
             </a:fld>
@@ -463,7 +463,7 @@
           <p:cNvPr id="5" name="页脚占位符 4">
             <a:extLst>
               <a:ext uri="{FF2B5EF4-FFF2-40B4-BE49-F238E27FC236}">
-                <a16:creationId xmlns:a16="http://schemas.microsoft.com/office/drawing/2014/main" id="{61B95911-CAF4-C793-0641-6EF4AB0629F9}"/>
+                <a16:creationId xmlns:a16="http://schemas.microsoft.com/office/drawing/2014/main" id="{96A83312-5645-5389-6E15-C32C69BC651A}"/>
               </a:ext>
             </a:extLst>
           </p:cNvPr>
@@ -488,7 +488,7 @@
           <p:cNvPr id="6" name="灯片编号占位符 5">
             <a:extLst>
               <a:ext uri="{FF2B5EF4-FFF2-40B4-BE49-F238E27FC236}">
-                <a16:creationId xmlns:a16="http://schemas.microsoft.com/office/drawing/2014/main" id="{7836649C-18FD-074C-7E3E-66B9AE32FB17}"/>
+                <a16:creationId xmlns:a16="http://schemas.microsoft.com/office/drawing/2014/main" id="{3490C190-2A84-B1BE-E2E0-F6D950C0E371}"/>
               </a:ext>
             </a:extLst>
           </p:cNvPr>
@@ -504,7 +504,7 @@
           <a:bodyPr/>
           <a:lstStyle/>
           <a:p>
-            <a:fld id="{C35AA965-74EC-48C2-9BAB-0CE57B6ACF2E}" type="slidenum">
+            <a:fld id="{449A0FC9-C317-4A58-8FB1-97B71D2050F0}" type="slidenum">
               <a:rPr lang="zh-CN" altLang="en-US" smtClean="0"/>
               <a:t>‹#›</a:t>
             </a:fld>
@@ -515,7 +515,7 @@
     </p:spTree>
     <p:extLst>
       <p:ext uri="{BB962C8B-B14F-4D97-AF65-F5344CB8AC3E}">
-        <p14:creationId xmlns:p14="http://schemas.microsoft.com/office/powerpoint/2010/main" val="800299488"/>
+        <p14:creationId xmlns:p14="http://schemas.microsoft.com/office/powerpoint/2010/main" val="1465175868"/>
       </p:ext>
     </p:extLst>
   </p:cSld>
@@ -547,7 +547,7 @@
           <p:cNvPr id="2" name="竖排标题 1">
             <a:extLst>
               <a:ext uri="{FF2B5EF4-FFF2-40B4-BE49-F238E27FC236}">
-                <a16:creationId xmlns:a16="http://schemas.microsoft.com/office/drawing/2014/main" id="{2BDE4629-007B-FDCA-3494-F5F6E3DCB4AA}"/>
+                <a16:creationId xmlns:a16="http://schemas.microsoft.com/office/drawing/2014/main" id="{266A4017-7C96-A329-58D1-9EBA398A0CA3}"/>
               </a:ext>
             </a:extLst>
           </p:cNvPr>
@@ -580,7 +580,7 @@
           <p:cNvPr id="3" name="竖排文字占位符 2">
             <a:extLst>
               <a:ext uri="{FF2B5EF4-FFF2-40B4-BE49-F238E27FC236}">
-                <a16:creationId xmlns:a16="http://schemas.microsoft.com/office/drawing/2014/main" id="{A90BB7B3-4E6A-1671-2F21-8076F8C31DA7}"/>
+                <a16:creationId xmlns:a16="http://schemas.microsoft.com/office/drawing/2014/main" id="{0A759F9C-7EAE-36F0-A2FB-249BC4ABFE8F}"/>
               </a:ext>
             </a:extLst>
           </p:cNvPr>
@@ -642,7 +642,7 @@
           <p:cNvPr id="4" name="日期占位符 3">
             <a:extLst>
               <a:ext uri="{FF2B5EF4-FFF2-40B4-BE49-F238E27FC236}">
-                <a16:creationId xmlns:a16="http://schemas.microsoft.com/office/drawing/2014/main" id="{0FAB198B-4D53-E470-BE54-EDF130F6B104}"/>
+                <a16:creationId xmlns:a16="http://schemas.microsoft.com/office/drawing/2014/main" id="{24B7CE59-CA68-3F1C-57E5-06DDCD470591}"/>
               </a:ext>
             </a:extLst>
           </p:cNvPr>
@@ -658,7 +658,7 @@
           <a:bodyPr/>
           <a:lstStyle/>
           <a:p>
-            <a:fld id="{2A4A124D-58F0-4B7E-BE69-EBB7F9A15785}" type="datetimeFigureOut">
+            <a:fld id="{9EE7BD8A-C7F3-420D-B80B-18557EDA7131}" type="datetimeFigureOut">
               <a:rPr lang="zh-CN" altLang="en-US" smtClean="0"/>
               <a:t>2024/3/10</a:t>
             </a:fld>
@@ -671,7 +671,7 @@
           <p:cNvPr id="5" name="页脚占位符 4">
             <a:extLst>
               <a:ext uri="{FF2B5EF4-FFF2-40B4-BE49-F238E27FC236}">
-                <a16:creationId xmlns:a16="http://schemas.microsoft.com/office/drawing/2014/main" id="{ADD8E541-7F9A-ACC4-E89B-C66E020AF7DE}"/>
+                <a16:creationId xmlns:a16="http://schemas.microsoft.com/office/drawing/2014/main" id="{0D5D5254-2B2B-BF4B-BD7F-27BE7DE87912}"/>
               </a:ext>
             </a:extLst>
           </p:cNvPr>
@@ -696,7 +696,7 @@
           <p:cNvPr id="6" name="灯片编号占位符 5">
             <a:extLst>
               <a:ext uri="{FF2B5EF4-FFF2-40B4-BE49-F238E27FC236}">
-                <a16:creationId xmlns:a16="http://schemas.microsoft.com/office/drawing/2014/main" id="{74C05932-4DB4-6921-5D90-1856795B58A2}"/>
+                <a16:creationId xmlns:a16="http://schemas.microsoft.com/office/drawing/2014/main" id="{9F8D5BEF-2179-2B8D-7765-CA9C27DC6C0A}"/>
               </a:ext>
             </a:extLst>
           </p:cNvPr>
@@ -712,7 +712,7 @@
           <a:bodyPr/>
           <a:lstStyle/>
           <a:p>
-            <a:fld id="{C35AA965-74EC-48C2-9BAB-0CE57B6ACF2E}" type="slidenum">
+            <a:fld id="{449A0FC9-C317-4A58-8FB1-97B71D2050F0}" type="slidenum">
               <a:rPr lang="zh-CN" altLang="en-US" smtClean="0"/>
               <a:t>‹#›</a:t>
             </a:fld>
@@ -723,7 +723,7 @@
     </p:spTree>
     <p:extLst>
       <p:ext uri="{BB962C8B-B14F-4D97-AF65-F5344CB8AC3E}">
-        <p14:creationId xmlns:p14="http://schemas.microsoft.com/office/powerpoint/2010/main" val="3671499999"/>
+        <p14:creationId xmlns:p14="http://schemas.microsoft.com/office/powerpoint/2010/main" val="3127691168"/>
       </p:ext>
     </p:extLst>
   </p:cSld>
@@ -755,7 +755,7 @@
           <p:cNvPr id="2" name="标题 1">
             <a:extLst>
               <a:ext uri="{FF2B5EF4-FFF2-40B4-BE49-F238E27FC236}">
-                <a16:creationId xmlns:a16="http://schemas.microsoft.com/office/drawing/2014/main" id="{6DB3FA61-9217-18C4-DC8C-880B013392ED}"/>
+                <a16:creationId xmlns:a16="http://schemas.microsoft.com/office/drawing/2014/main" id="{589360D6-7F49-972C-99B7-B4E8C2A2E831}"/>
               </a:ext>
             </a:extLst>
           </p:cNvPr>
@@ -783,7 +783,7 @@
           <p:cNvPr id="3" name="内容占位符 2">
             <a:extLst>
               <a:ext uri="{FF2B5EF4-FFF2-40B4-BE49-F238E27FC236}">
-                <a16:creationId xmlns:a16="http://schemas.microsoft.com/office/drawing/2014/main" id="{31A7612F-BB9D-502B-7C49-75D5E3F5C3B8}"/>
+                <a16:creationId xmlns:a16="http://schemas.microsoft.com/office/drawing/2014/main" id="{AFECC060-54A3-A6A8-19B5-CF972A76C2CB}"/>
               </a:ext>
             </a:extLst>
           </p:cNvPr>
@@ -840,7 +840,7 @@
           <p:cNvPr id="4" name="日期占位符 3">
             <a:extLst>
               <a:ext uri="{FF2B5EF4-FFF2-40B4-BE49-F238E27FC236}">
-                <a16:creationId xmlns:a16="http://schemas.microsoft.com/office/drawing/2014/main" id="{9CDC36F0-5213-955F-B7B8-28BC9BB176E1}"/>
+                <a16:creationId xmlns:a16="http://schemas.microsoft.com/office/drawing/2014/main" id="{5C8B8E23-7B16-2721-5095-22B32EBF9B3C}"/>
               </a:ext>
             </a:extLst>
           </p:cNvPr>
@@ -856,7 +856,7 @@
           <a:bodyPr/>
           <a:lstStyle/>
           <a:p>
-            <a:fld id="{2A4A124D-58F0-4B7E-BE69-EBB7F9A15785}" type="datetimeFigureOut">
+            <a:fld id="{9EE7BD8A-C7F3-420D-B80B-18557EDA7131}" type="datetimeFigureOut">
               <a:rPr lang="zh-CN" altLang="en-US" smtClean="0"/>
               <a:t>2024/3/10</a:t>
             </a:fld>
@@ -869,7 +869,7 @@
           <p:cNvPr id="5" name="页脚占位符 4">
             <a:extLst>
               <a:ext uri="{FF2B5EF4-FFF2-40B4-BE49-F238E27FC236}">
-                <a16:creationId xmlns:a16="http://schemas.microsoft.com/office/drawing/2014/main" id="{D1C6B96B-1795-5D91-9099-14D0880EB752}"/>
+                <a16:creationId xmlns:a16="http://schemas.microsoft.com/office/drawing/2014/main" id="{60176AD8-6D54-DD5B-7CE7-1858478CD6A5}"/>
               </a:ext>
             </a:extLst>
           </p:cNvPr>
@@ -894,7 +894,7 @@
           <p:cNvPr id="6" name="灯片编号占位符 5">
             <a:extLst>
               <a:ext uri="{FF2B5EF4-FFF2-40B4-BE49-F238E27FC236}">
-                <a16:creationId xmlns:a16="http://schemas.microsoft.com/office/drawing/2014/main" id="{01630EF1-1EB8-F7FE-C075-633481BEC683}"/>
+                <a16:creationId xmlns:a16="http://schemas.microsoft.com/office/drawing/2014/main" id="{D073CEB4-EB11-95C3-B7A4-124B0068B4C9}"/>
               </a:ext>
             </a:extLst>
           </p:cNvPr>
@@ -910,7 +910,7 @@
           <a:bodyPr/>
           <a:lstStyle/>
           <a:p>
-            <a:fld id="{C35AA965-74EC-48C2-9BAB-0CE57B6ACF2E}" type="slidenum">
+            <a:fld id="{449A0FC9-C317-4A58-8FB1-97B71D2050F0}" type="slidenum">
               <a:rPr lang="zh-CN" altLang="en-US" smtClean="0"/>
               <a:t>‹#›</a:t>
             </a:fld>
@@ -921,7 +921,7 @@
     </p:spTree>
     <p:extLst>
       <p:ext uri="{BB962C8B-B14F-4D97-AF65-F5344CB8AC3E}">
-        <p14:creationId xmlns:p14="http://schemas.microsoft.com/office/powerpoint/2010/main" val="3023918369"/>
+        <p14:creationId xmlns:p14="http://schemas.microsoft.com/office/powerpoint/2010/main" val="1235943468"/>
       </p:ext>
     </p:extLst>
   </p:cSld>
@@ -953,7 +953,7 @@
           <p:cNvPr id="2" name="标题 1">
             <a:extLst>
               <a:ext uri="{FF2B5EF4-FFF2-40B4-BE49-F238E27FC236}">
-                <a16:creationId xmlns:a16="http://schemas.microsoft.com/office/drawing/2014/main" id="{EE432FB8-CEE8-E408-3BD8-D266FD2439E0}"/>
+                <a16:creationId xmlns:a16="http://schemas.microsoft.com/office/drawing/2014/main" id="{C32BAD8D-6742-044A-8E7E-2588B29A336D}"/>
               </a:ext>
             </a:extLst>
           </p:cNvPr>
@@ -990,7 +990,7 @@
           <p:cNvPr id="3" name="文本占位符 2">
             <a:extLst>
               <a:ext uri="{FF2B5EF4-FFF2-40B4-BE49-F238E27FC236}">
-                <a16:creationId xmlns:a16="http://schemas.microsoft.com/office/drawing/2014/main" id="{EE535649-22DB-2FB7-B9D6-DB9E444ED71D}"/>
+                <a16:creationId xmlns:a16="http://schemas.microsoft.com/office/drawing/2014/main" id="{4A19D711-0E0D-2F6D-82AF-6B858E5272F5}"/>
               </a:ext>
             </a:extLst>
           </p:cNvPr>
@@ -1115,7 +1115,7 @@
           <p:cNvPr id="4" name="日期占位符 3">
             <a:extLst>
               <a:ext uri="{FF2B5EF4-FFF2-40B4-BE49-F238E27FC236}">
-                <a16:creationId xmlns:a16="http://schemas.microsoft.com/office/drawing/2014/main" id="{D1AF2BBB-DC3F-8CEF-7939-4C049A493897}"/>
+                <a16:creationId xmlns:a16="http://schemas.microsoft.com/office/drawing/2014/main" id="{5AB4DD2D-1FC9-3F31-39B4-E49ACA08FC1C}"/>
               </a:ext>
             </a:extLst>
           </p:cNvPr>
@@ -1131,7 +1131,7 @@
           <a:bodyPr/>
           <a:lstStyle/>
           <a:p>
-            <a:fld id="{2A4A124D-58F0-4B7E-BE69-EBB7F9A15785}" type="datetimeFigureOut">
+            <a:fld id="{9EE7BD8A-C7F3-420D-B80B-18557EDA7131}" type="datetimeFigureOut">
               <a:rPr lang="zh-CN" altLang="en-US" smtClean="0"/>
               <a:t>2024/3/10</a:t>
             </a:fld>
@@ -1144,7 +1144,7 @@
           <p:cNvPr id="5" name="页脚占位符 4">
             <a:extLst>
               <a:ext uri="{FF2B5EF4-FFF2-40B4-BE49-F238E27FC236}">
-                <a16:creationId xmlns:a16="http://schemas.microsoft.com/office/drawing/2014/main" id="{84A7DD2C-06CC-D55E-67BD-222B74A2E39F}"/>
+                <a16:creationId xmlns:a16="http://schemas.microsoft.com/office/drawing/2014/main" id="{55CD557A-CFE3-950B-E87B-67EC33465DCF}"/>
               </a:ext>
             </a:extLst>
           </p:cNvPr>
@@ -1169,7 +1169,7 @@
           <p:cNvPr id="6" name="灯片编号占位符 5">
             <a:extLst>
               <a:ext uri="{FF2B5EF4-FFF2-40B4-BE49-F238E27FC236}">
-                <a16:creationId xmlns:a16="http://schemas.microsoft.com/office/drawing/2014/main" id="{326234A9-365B-1CF0-8432-A220753B8E14}"/>
+                <a16:creationId xmlns:a16="http://schemas.microsoft.com/office/drawing/2014/main" id="{91F249C4-C59A-2814-10F5-659F730F247C}"/>
               </a:ext>
             </a:extLst>
           </p:cNvPr>
@@ -1185,7 +1185,7 @@
           <a:bodyPr/>
           <a:lstStyle/>
           <a:p>
-            <a:fld id="{C35AA965-74EC-48C2-9BAB-0CE57B6ACF2E}" type="slidenum">
+            <a:fld id="{449A0FC9-C317-4A58-8FB1-97B71D2050F0}" type="slidenum">
               <a:rPr lang="zh-CN" altLang="en-US" smtClean="0"/>
               <a:t>‹#›</a:t>
             </a:fld>
@@ -1196,7 +1196,7 @@
     </p:spTree>
     <p:extLst>
       <p:ext uri="{BB962C8B-B14F-4D97-AF65-F5344CB8AC3E}">
-        <p14:creationId xmlns:p14="http://schemas.microsoft.com/office/powerpoint/2010/main" val="1129778163"/>
+        <p14:creationId xmlns:p14="http://schemas.microsoft.com/office/powerpoint/2010/main" val="2358284743"/>
       </p:ext>
     </p:extLst>
   </p:cSld>
@@ -1228,7 +1228,7 @@
           <p:cNvPr id="2" name="标题 1">
             <a:extLst>
               <a:ext uri="{FF2B5EF4-FFF2-40B4-BE49-F238E27FC236}">
-                <a16:creationId xmlns:a16="http://schemas.microsoft.com/office/drawing/2014/main" id="{6FD0C407-DFA1-AB51-4377-7DEF8A21705B}"/>
+                <a16:creationId xmlns:a16="http://schemas.microsoft.com/office/drawing/2014/main" id="{74FCD02C-1D74-6210-F221-48CFBC9A9DD4}"/>
               </a:ext>
             </a:extLst>
           </p:cNvPr>
@@ -1256,7 +1256,7 @@
           <p:cNvPr id="3" name="内容占位符 2">
             <a:extLst>
               <a:ext uri="{FF2B5EF4-FFF2-40B4-BE49-F238E27FC236}">
-                <a16:creationId xmlns:a16="http://schemas.microsoft.com/office/drawing/2014/main" id="{F7149A43-B42E-4C39-2EA9-A2655E5FDE35}"/>
+                <a16:creationId xmlns:a16="http://schemas.microsoft.com/office/drawing/2014/main" id="{87208135-7F70-EBB2-7C49-0D573DEB667A}"/>
               </a:ext>
             </a:extLst>
           </p:cNvPr>
@@ -1318,7 +1318,7 @@
           <p:cNvPr id="4" name="内容占位符 3">
             <a:extLst>
               <a:ext uri="{FF2B5EF4-FFF2-40B4-BE49-F238E27FC236}">
-                <a16:creationId xmlns:a16="http://schemas.microsoft.com/office/drawing/2014/main" id="{318FDC2E-A4FD-47B2-B2FB-677036CFC4B3}"/>
+                <a16:creationId xmlns:a16="http://schemas.microsoft.com/office/drawing/2014/main" id="{DEA8B493-349C-745F-F8F9-B233F7085363}"/>
               </a:ext>
             </a:extLst>
           </p:cNvPr>
@@ -1380,7 +1380,7 @@
           <p:cNvPr id="5" name="日期占位符 4">
             <a:extLst>
               <a:ext uri="{FF2B5EF4-FFF2-40B4-BE49-F238E27FC236}">
-                <a16:creationId xmlns:a16="http://schemas.microsoft.com/office/drawing/2014/main" id="{81BEEF91-FE24-D3E8-D5D6-C9B41591FE24}"/>
+                <a16:creationId xmlns:a16="http://schemas.microsoft.com/office/drawing/2014/main" id="{11B2BB74-2AB7-378B-318F-B98ED687E14B}"/>
               </a:ext>
             </a:extLst>
           </p:cNvPr>
@@ -1396,7 +1396,7 @@
           <a:bodyPr/>
           <a:lstStyle/>
           <a:p>
-            <a:fld id="{2A4A124D-58F0-4B7E-BE69-EBB7F9A15785}" type="datetimeFigureOut">
+            <a:fld id="{9EE7BD8A-C7F3-420D-B80B-18557EDA7131}" type="datetimeFigureOut">
               <a:rPr lang="zh-CN" altLang="en-US" smtClean="0"/>
               <a:t>2024/3/10</a:t>
             </a:fld>
@@ -1409,7 +1409,7 @@
           <p:cNvPr id="6" name="页脚占位符 5">
             <a:extLst>
               <a:ext uri="{FF2B5EF4-FFF2-40B4-BE49-F238E27FC236}">
-                <a16:creationId xmlns:a16="http://schemas.microsoft.com/office/drawing/2014/main" id="{801C0252-8385-EFC6-24AE-ED50F427417B}"/>
+                <a16:creationId xmlns:a16="http://schemas.microsoft.com/office/drawing/2014/main" id="{69CB6F29-AD65-D3F8-A7ED-7771D62B1398}"/>
               </a:ext>
             </a:extLst>
           </p:cNvPr>
@@ -1434,7 +1434,7 @@
           <p:cNvPr id="7" name="灯片编号占位符 6">
             <a:extLst>
               <a:ext uri="{FF2B5EF4-FFF2-40B4-BE49-F238E27FC236}">
-                <a16:creationId xmlns:a16="http://schemas.microsoft.com/office/drawing/2014/main" id="{54C6FE30-F429-41DA-5564-E124DD33E3C6}"/>
+                <a16:creationId xmlns:a16="http://schemas.microsoft.com/office/drawing/2014/main" id="{119F1CC3-B335-B0EF-BE9E-B9F4D1789E6B}"/>
               </a:ext>
             </a:extLst>
           </p:cNvPr>
@@ -1450,7 +1450,7 @@
           <a:bodyPr/>
           <a:lstStyle/>
           <a:p>
-            <a:fld id="{C35AA965-74EC-48C2-9BAB-0CE57B6ACF2E}" type="slidenum">
+            <a:fld id="{449A0FC9-C317-4A58-8FB1-97B71D2050F0}" type="slidenum">
               <a:rPr lang="zh-CN" altLang="en-US" smtClean="0"/>
               <a:t>‹#›</a:t>
             </a:fld>
@@ -1461,7 +1461,7 @@
     </p:spTree>
     <p:extLst>
       <p:ext uri="{BB962C8B-B14F-4D97-AF65-F5344CB8AC3E}">
-        <p14:creationId xmlns:p14="http://schemas.microsoft.com/office/powerpoint/2010/main" val="680147312"/>
+        <p14:creationId xmlns:p14="http://schemas.microsoft.com/office/powerpoint/2010/main" val="3043603755"/>
       </p:ext>
     </p:extLst>
   </p:cSld>
@@ -1493,7 +1493,7 @@
           <p:cNvPr id="2" name="标题 1">
             <a:extLst>
               <a:ext uri="{FF2B5EF4-FFF2-40B4-BE49-F238E27FC236}">
-                <a16:creationId xmlns:a16="http://schemas.microsoft.com/office/drawing/2014/main" id="{DF7D9FC4-F937-AA84-0E84-1BFD5F3D9111}"/>
+                <a16:creationId xmlns:a16="http://schemas.microsoft.com/office/drawing/2014/main" id="{2D6AA243-FEF0-E48E-AF5A-B2C5A7B538E8}"/>
               </a:ext>
             </a:extLst>
           </p:cNvPr>
@@ -1526,7 +1526,7 @@
           <p:cNvPr id="3" name="文本占位符 2">
             <a:extLst>
               <a:ext uri="{FF2B5EF4-FFF2-40B4-BE49-F238E27FC236}">
-                <a16:creationId xmlns:a16="http://schemas.microsoft.com/office/drawing/2014/main" id="{4021AE0C-6B69-0168-3447-0A46FCB07576}"/>
+                <a16:creationId xmlns:a16="http://schemas.microsoft.com/office/drawing/2014/main" id="{693B3469-C07C-D55A-16AE-DCFC49636F78}"/>
               </a:ext>
             </a:extLst>
           </p:cNvPr>
@@ -1597,7 +1597,7 @@
           <p:cNvPr id="4" name="内容占位符 3">
             <a:extLst>
               <a:ext uri="{FF2B5EF4-FFF2-40B4-BE49-F238E27FC236}">
-                <a16:creationId xmlns:a16="http://schemas.microsoft.com/office/drawing/2014/main" id="{756B962F-48B6-E99D-A152-580087E39827}"/>
+                <a16:creationId xmlns:a16="http://schemas.microsoft.com/office/drawing/2014/main" id="{56BCD3C0-1786-B094-EE48-DDB99163FB7F}"/>
               </a:ext>
             </a:extLst>
           </p:cNvPr>
@@ -1659,7 +1659,7 @@
           <p:cNvPr id="5" name="文本占位符 4">
             <a:extLst>
               <a:ext uri="{FF2B5EF4-FFF2-40B4-BE49-F238E27FC236}">
-                <a16:creationId xmlns:a16="http://schemas.microsoft.com/office/drawing/2014/main" id="{749A3531-6B24-5B89-ADFE-FB654708808D}"/>
+                <a16:creationId xmlns:a16="http://schemas.microsoft.com/office/drawing/2014/main" id="{2669F0F1-576E-CE59-7D0F-C8482BDEB4DE}"/>
               </a:ext>
             </a:extLst>
           </p:cNvPr>
@@ -1730,7 +1730,7 @@
           <p:cNvPr id="6" name="内容占位符 5">
             <a:extLst>
               <a:ext uri="{FF2B5EF4-FFF2-40B4-BE49-F238E27FC236}">
-                <a16:creationId xmlns:a16="http://schemas.microsoft.com/office/drawing/2014/main" id="{CA3F0EC3-A9F9-FDBE-134D-AB424979D207}"/>
+                <a16:creationId xmlns:a16="http://schemas.microsoft.com/office/drawing/2014/main" id="{DD22BA88-F8BA-4678-ABFB-D5279F7A6BFF}"/>
               </a:ext>
             </a:extLst>
           </p:cNvPr>
@@ -1792,7 +1792,7 @@
           <p:cNvPr id="7" name="日期占位符 6">
             <a:extLst>
               <a:ext uri="{FF2B5EF4-FFF2-40B4-BE49-F238E27FC236}">
-                <a16:creationId xmlns:a16="http://schemas.microsoft.com/office/drawing/2014/main" id="{9FC5961F-6C9B-FBE8-DCC7-F414398B9E11}"/>
+                <a16:creationId xmlns:a16="http://schemas.microsoft.com/office/drawing/2014/main" id="{57BCAFAD-39F4-68CF-A138-42E46A4F7EF5}"/>
               </a:ext>
             </a:extLst>
           </p:cNvPr>
@@ -1808,7 +1808,7 @@
           <a:bodyPr/>
           <a:lstStyle/>
           <a:p>
-            <a:fld id="{2A4A124D-58F0-4B7E-BE69-EBB7F9A15785}" type="datetimeFigureOut">
+            <a:fld id="{9EE7BD8A-C7F3-420D-B80B-18557EDA7131}" type="datetimeFigureOut">
               <a:rPr lang="zh-CN" altLang="en-US" smtClean="0"/>
               <a:t>2024/3/10</a:t>
             </a:fld>
@@ -1821,7 +1821,7 @@
           <p:cNvPr id="8" name="页脚占位符 7">
             <a:extLst>
               <a:ext uri="{FF2B5EF4-FFF2-40B4-BE49-F238E27FC236}">
-                <a16:creationId xmlns:a16="http://schemas.microsoft.com/office/drawing/2014/main" id="{7DF3D56D-6137-530E-8C8F-928018B6DF9C}"/>
+                <a16:creationId xmlns:a16="http://schemas.microsoft.com/office/drawing/2014/main" id="{0CD2225F-A5E8-6065-D4BC-3C5BE36E62F7}"/>
               </a:ext>
             </a:extLst>
           </p:cNvPr>
@@ -1846,7 +1846,7 @@
           <p:cNvPr id="9" name="灯片编号占位符 8">
             <a:extLst>
               <a:ext uri="{FF2B5EF4-FFF2-40B4-BE49-F238E27FC236}">
-                <a16:creationId xmlns:a16="http://schemas.microsoft.com/office/drawing/2014/main" id="{2C1848EB-0E0C-D428-DB49-73A058DCB798}"/>
+                <a16:creationId xmlns:a16="http://schemas.microsoft.com/office/drawing/2014/main" id="{34EDD9A7-88FF-94B8-8226-A2C1593D14E2}"/>
               </a:ext>
             </a:extLst>
           </p:cNvPr>
@@ -1862,7 +1862,7 @@
           <a:bodyPr/>
           <a:lstStyle/>
           <a:p>
-            <a:fld id="{C35AA965-74EC-48C2-9BAB-0CE57B6ACF2E}" type="slidenum">
+            <a:fld id="{449A0FC9-C317-4A58-8FB1-97B71D2050F0}" type="slidenum">
               <a:rPr lang="zh-CN" altLang="en-US" smtClean="0"/>
               <a:t>‹#›</a:t>
             </a:fld>
@@ -1873,7 +1873,7 @@
     </p:spTree>
     <p:extLst>
       <p:ext uri="{BB962C8B-B14F-4D97-AF65-F5344CB8AC3E}">
-        <p14:creationId xmlns:p14="http://schemas.microsoft.com/office/powerpoint/2010/main" val="1448176013"/>
+        <p14:creationId xmlns:p14="http://schemas.microsoft.com/office/powerpoint/2010/main" val="1616300886"/>
       </p:ext>
     </p:extLst>
   </p:cSld>
@@ -1905,7 +1905,7 @@
           <p:cNvPr id="2" name="标题 1">
             <a:extLst>
               <a:ext uri="{FF2B5EF4-FFF2-40B4-BE49-F238E27FC236}">
-                <a16:creationId xmlns:a16="http://schemas.microsoft.com/office/drawing/2014/main" id="{E34F9225-A8EF-51D9-40E3-FA71ADF82BDD}"/>
+                <a16:creationId xmlns:a16="http://schemas.microsoft.com/office/drawing/2014/main" id="{839E1CAD-9436-AEC4-A5D6-58EC491A5328}"/>
               </a:ext>
             </a:extLst>
           </p:cNvPr>
@@ -1933,7 +1933,7 @@
           <p:cNvPr id="3" name="日期占位符 2">
             <a:extLst>
               <a:ext uri="{FF2B5EF4-FFF2-40B4-BE49-F238E27FC236}">
-                <a16:creationId xmlns:a16="http://schemas.microsoft.com/office/drawing/2014/main" id="{047F1D6E-D4CD-DC53-B6A5-FEF32128D1C9}"/>
+                <a16:creationId xmlns:a16="http://schemas.microsoft.com/office/drawing/2014/main" id="{2C36019F-58DD-D3FC-AE4A-B7A5869350FB}"/>
               </a:ext>
             </a:extLst>
           </p:cNvPr>
@@ -1949,7 +1949,7 @@
           <a:bodyPr/>
           <a:lstStyle/>
           <a:p>
-            <a:fld id="{2A4A124D-58F0-4B7E-BE69-EBB7F9A15785}" type="datetimeFigureOut">
+            <a:fld id="{9EE7BD8A-C7F3-420D-B80B-18557EDA7131}" type="datetimeFigureOut">
               <a:rPr lang="zh-CN" altLang="en-US" smtClean="0"/>
               <a:t>2024/3/10</a:t>
             </a:fld>
@@ -1962,7 +1962,7 @@
           <p:cNvPr id="4" name="页脚占位符 3">
             <a:extLst>
               <a:ext uri="{FF2B5EF4-FFF2-40B4-BE49-F238E27FC236}">
-                <a16:creationId xmlns:a16="http://schemas.microsoft.com/office/drawing/2014/main" id="{FEA08221-E061-8E1A-49DD-51DE3FF71540}"/>
+                <a16:creationId xmlns:a16="http://schemas.microsoft.com/office/drawing/2014/main" id="{703F7D64-6DB3-75BB-DF32-E59F94AFDB79}"/>
               </a:ext>
             </a:extLst>
           </p:cNvPr>
@@ -1987,7 +1987,7 @@
           <p:cNvPr id="5" name="灯片编号占位符 4">
             <a:extLst>
               <a:ext uri="{FF2B5EF4-FFF2-40B4-BE49-F238E27FC236}">
-                <a16:creationId xmlns:a16="http://schemas.microsoft.com/office/drawing/2014/main" id="{67E37B16-5BB8-BF70-843A-2B341BBF5C0F}"/>
+                <a16:creationId xmlns:a16="http://schemas.microsoft.com/office/drawing/2014/main" id="{41DF5148-186F-FC98-55A2-F8B6840E6EB7}"/>
               </a:ext>
             </a:extLst>
           </p:cNvPr>
@@ -2003,7 +2003,7 @@
           <a:bodyPr/>
           <a:lstStyle/>
           <a:p>
-            <a:fld id="{C35AA965-74EC-48C2-9BAB-0CE57B6ACF2E}" type="slidenum">
+            <a:fld id="{449A0FC9-C317-4A58-8FB1-97B71D2050F0}" type="slidenum">
               <a:rPr lang="zh-CN" altLang="en-US" smtClean="0"/>
               <a:t>‹#›</a:t>
             </a:fld>
@@ -2014,7 +2014,7 @@
     </p:spTree>
     <p:extLst>
       <p:ext uri="{BB962C8B-B14F-4D97-AF65-F5344CB8AC3E}">
-        <p14:creationId xmlns:p14="http://schemas.microsoft.com/office/powerpoint/2010/main" val="4030321062"/>
+        <p14:creationId xmlns:p14="http://schemas.microsoft.com/office/powerpoint/2010/main" val="669966950"/>
       </p:ext>
     </p:extLst>
   </p:cSld>
@@ -2046,7 +2046,7 @@
           <p:cNvPr id="2" name="日期占位符 1">
             <a:extLst>
               <a:ext uri="{FF2B5EF4-FFF2-40B4-BE49-F238E27FC236}">
-                <a16:creationId xmlns:a16="http://schemas.microsoft.com/office/drawing/2014/main" id="{750C60A5-B003-515E-CD1B-59EB7D563605}"/>
+                <a16:creationId xmlns:a16="http://schemas.microsoft.com/office/drawing/2014/main" id="{D71410FE-9F28-0FA5-A68C-07187C8371A2}"/>
               </a:ext>
             </a:extLst>
           </p:cNvPr>
@@ -2062,7 +2062,7 @@
           <a:bodyPr/>
           <a:lstStyle/>
           <a:p>
-            <a:fld id="{2A4A124D-58F0-4B7E-BE69-EBB7F9A15785}" type="datetimeFigureOut">
+            <a:fld id="{9EE7BD8A-C7F3-420D-B80B-18557EDA7131}" type="datetimeFigureOut">
               <a:rPr lang="zh-CN" altLang="en-US" smtClean="0"/>
               <a:t>2024/3/10</a:t>
             </a:fld>
@@ -2075,7 +2075,7 @@
           <p:cNvPr id="3" name="页脚占位符 2">
             <a:extLst>
               <a:ext uri="{FF2B5EF4-FFF2-40B4-BE49-F238E27FC236}">
-                <a16:creationId xmlns:a16="http://schemas.microsoft.com/office/drawing/2014/main" id="{26FE0083-DE65-8E59-703E-CEE953939131}"/>
+                <a16:creationId xmlns:a16="http://schemas.microsoft.com/office/drawing/2014/main" id="{CCEA5E50-7AFE-1B28-FD78-A53134B52C3B}"/>
               </a:ext>
             </a:extLst>
           </p:cNvPr>
@@ -2100,7 +2100,7 @@
           <p:cNvPr id="4" name="灯片编号占位符 3">
             <a:extLst>
               <a:ext uri="{FF2B5EF4-FFF2-40B4-BE49-F238E27FC236}">
-                <a16:creationId xmlns:a16="http://schemas.microsoft.com/office/drawing/2014/main" id="{A9EB8041-63C2-9A20-24E9-A072CFA885B1}"/>
+                <a16:creationId xmlns:a16="http://schemas.microsoft.com/office/drawing/2014/main" id="{8DFE199F-F7A7-BA38-21A2-41824D6AE943}"/>
               </a:ext>
             </a:extLst>
           </p:cNvPr>
@@ -2116,7 +2116,7 @@
           <a:bodyPr/>
           <a:lstStyle/>
           <a:p>
-            <a:fld id="{C35AA965-74EC-48C2-9BAB-0CE57B6ACF2E}" type="slidenum">
+            <a:fld id="{449A0FC9-C317-4A58-8FB1-97B71D2050F0}" type="slidenum">
               <a:rPr lang="zh-CN" altLang="en-US" smtClean="0"/>
               <a:t>‹#›</a:t>
             </a:fld>
@@ -2127,7 +2127,7 @@
     </p:spTree>
     <p:extLst>
       <p:ext uri="{BB962C8B-B14F-4D97-AF65-F5344CB8AC3E}">
-        <p14:creationId xmlns:p14="http://schemas.microsoft.com/office/powerpoint/2010/main" val="3486770720"/>
+        <p14:creationId xmlns:p14="http://schemas.microsoft.com/office/powerpoint/2010/main" val="1742401417"/>
       </p:ext>
     </p:extLst>
   </p:cSld>
@@ -2159,7 +2159,7 @@
           <p:cNvPr id="2" name="标题 1">
             <a:extLst>
               <a:ext uri="{FF2B5EF4-FFF2-40B4-BE49-F238E27FC236}">
-                <a16:creationId xmlns:a16="http://schemas.microsoft.com/office/drawing/2014/main" id="{5D191B43-D15B-FB3B-6E2C-32BB459AB3CD}"/>
+                <a16:creationId xmlns:a16="http://schemas.microsoft.com/office/drawing/2014/main" id="{F8E7A225-F9E5-9C6D-4EE1-8BF1C242D18F}"/>
               </a:ext>
             </a:extLst>
           </p:cNvPr>
@@ -2196,7 +2196,7 @@
           <p:cNvPr id="3" name="内容占位符 2">
             <a:extLst>
               <a:ext uri="{FF2B5EF4-FFF2-40B4-BE49-F238E27FC236}">
-                <a16:creationId xmlns:a16="http://schemas.microsoft.com/office/drawing/2014/main" id="{CCA9F7B5-8342-64CF-BD5C-93BE5EF42BFC}"/>
+                <a16:creationId xmlns:a16="http://schemas.microsoft.com/office/drawing/2014/main" id="{86E4E2C0-28F4-994E-9DFA-9DE985FC33E7}"/>
               </a:ext>
             </a:extLst>
           </p:cNvPr>
@@ -2286,7 +2286,7 @@
           <p:cNvPr id="4" name="文本占位符 3">
             <a:extLst>
               <a:ext uri="{FF2B5EF4-FFF2-40B4-BE49-F238E27FC236}">
-                <a16:creationId xmlns:a16="http://schemas.microsoft.com/office/drawing/2014/main" id="{6F79EA4C-2504-2A4A-1430-6F63A1F587BB}"/>
+                <a16:creationId xmlns:a16="http://schemas.microsoft.com/office/drawing/2014/main" id="{0C93F4F3-C970-A6AD-4E92-A24599BBA452}"/>
               </a:ext>
             </a:extLst>
           </p:cNvPr>
@@ -2357,7 +2357,7 @@
           <p:cNvPr id="5" name="日期占位符 4">
             <a:extLst>
               <a:ext uri="{FF2B5EF4-FFF2-40B4-BE49-F238E27FC236}">
-                <a16:creationId xmlns:a16="http://schemas.microsoft.com/office/drawing/2014/main" id="{52F91562-C807-8D9F-EE86-E89F8E72195A}"/>
+                <a16:creationId xmlns:a16="http://schemas.microsoft.com/office/drawing/2014/main" id="{99DE73D9-27AB-8935-0747-3DBB85E8D2A1}"/>
               </a:ext>
             </a:extLst>
           </p:cNvPr>
@@ -2373,7 +2373,7 @@
           <a:bodyPr/>
           <a:lstStyle/>
           <a:p>
-            <a:fld id="{2A4A124D-58F0-4B7E-BE69-EBB7F9A15785}" type="datetimeFigureOut">
+            <a:fld id="{9EE7BD8A-C7F3-420D-B80B-18557EDA7131}" type="datetimeFigureOut">
               <a:rPr lang="zh-CN" altLang="en-US" smtClean="0"/>
               <a:t>2024/3/10</a:t>
             </a:fld>
@@ -2386,7 +2386,7 @@
           <p:cNvPr id="6" name="页脚占位符 5">
             <a:extLst>
               <a:ext uri="{FF2B5EF4-FFF2-40B4-BE49-F238E27FC236}">
-                <a16:creationId xmlns:a16="http://schemas.microsoft.com/office/drawing/2014/main" id="{BEC33D3D-03DD-781D-3CD7-6B6EE6ACCE21}"/>
+                <a16:creationId xmlns:a16="http://schemas.microsoft.com/office/drawing/2014/main" id="{D2CCA00C-1A8D-9AFC-3FB7-9D70B7FD4901}"/>
               </a:ext>
             </a:extLst>
           </p:cNvPr>
@@ -2411,7 +2411,7 @@
           <p:cNvPr id="7" name="灯片编号占位符 6">
             <a:extLst>
               <a:ext uri="{FF2B5EF4-FFF2-40B4-BE49-F238E27FC236}">
-                <a16:creationId xmlns:a16="http://schemas.microsoft.com/office/drawing/2014/main" id="{3A3E0EF7-451D-689F-5D50-A796A3239FA5}"/>
+                <a16:creationId xmlns:a16="http://schemas.microsoft.com/office/drawing/2014/main" id="{99164B39-B8E7-5D7C-2184-C8E0C828E183}"/>
               </a:ext>
             </a:extLst>
           </p:cNvPr>
@@ -2427,7 +2427,7 @@
           <a:bodyPr/>
           <a:lstStyle/>
           <a:p>
-            <a:fld id="{C35AA965-74EC-48C2-9BAB-0CE57B6ACF2E}" type="slidenum">
+            <a:fld id="{449A0FC9-C317-4A58-8FB1-97B71D2050F0}" type="slidenum">
               <a:rPr lang="zh-CN" altLang="en-US" smtClean="0"/>
               <a:t>‹#›</a:t>
             </a:fld>
@@ -2438,7 +2438,7 @@
     </p:spTree>
     <p:extLst>
       <p:ext uri="{BB962C8B-B14F-4D97-AF65-F5344CB8AC3E}">
-        <p14:creationId xmlns:p14="http://schemas.microsoft.com/office/powerpoint/2010/main" val="1325106378"/>
+        <p14:creationId xmlns:p14="http://schemas.microsoft.com/office/powerpoint/2010/main" val="2936795995"/>
       </p:ext>
     </p:extLst>
   </p:cSld>
@@ -2470,7 +2470,7 @@
           <p:cNvPr id="2" name="标题 1">
             <a:extLst>
               <a:ext uri="{FF2B5EF4-FFF2-40B4-BE49-F238E27FC236}">
-                <a16:creationId xmlns:a16="http://schemas.microsoft.com/office/drawing/2014/main" id="{F45A4AC0-9089-7440-5561-57C7BD6B0143}"/>
+                <a16:creationId xmlns:a16="http://schemas.microsoft.com/office/drawing/2014/main" id="{E25008AD-2F30-D4B0-EDA7-99C22CE96D12}"/>
               </a:ext>
             </a:extLst>
           </p:cNvPr>
@@ -2507,7 +2507,7 @@
           <p:cNvPr id="3" name="图片占位符 2">
             <a:extLst>
               <a:ext uri="{FF2B5EF4-FFF2-40B4-BE49-F238E27FC236}">
-                <a16:creationId xmlns:a16="http://schemas.microsoft.com/office/drawing/2014/main" id="{4F492583-3367-EA9B-CBA2-7CDDD8FCD532}"/>
+                <a16:creationId xmlns:a16="http://schemas.microsoft.com/office/drawing/2014/main" id="{7B77022C-36DC-E74D-32A8-25D81A2FAB2E}"/>
               </a:ext>
             </a:extLst>
           </p:cNvPr>
@@ -2574,7 +2574,7 @@
           <p:cNvPr id="4" name="文本占位符 3">
             <a:extLst>
               <a:ext uri="{FF2B5EF4-FFF2-40B4-BE49-F238E27FC236}">
-                <a16:creationId xmlns:a16="http://schemas.microsoft.com/office/drawing/2014/main" id="{FD10076B-DB52-7030-90D1-6CBBB63BC5AB}"/>
+                <a16:creationId xmlns:a16="http://schemas.microsoft.com/office/drawing/2014/main" id="{5DD86DC6-8178-89F4-4636-8F714666B3CC}"/>
               </a:ext>
             </a:extLst>
           </p:cNvPr>
@@ -2645,7 +2645,7 @@
           <p:cNvPr id="5" name="日期占位符 4">
             <a:extLst>
               <a:ext uri="{FF2B5EF4-FFF2-40B4-BE49-F238E27FC236}">
-                <a16:creationId xmlns:a16="http://schemas.microsoft.com/office/drawing/2014/main" id="{80D490C0-9940-8850-AB85-B71DDAE71D89}"/>
+                <a16:creationId xmlns:a16="http://schemas.microsoft.com/office/drawing/2014/main" id="{60B5E0B9-481A-C69C-89D4-DC2B89D37C09}"/>
               </a:ext>
             </a:extLst>
           </p:cNvPr>
@@ -2661,7 +2661,7 @@
           <a:bodyPr/>
           <a:lstStyle/>
           <a:p>
-            <a:fld id="{2A4A124D-58F0-4B7E-BE69-EBB7F9A15785}" type="datetimeFigureOut">
+            <a:fld id="{9EE7BD8A-C7F3-420D-B80B-18557EDA7131}" type="datetimeFigureOut">
               <a:rPr lang="zh-CN" altLang="en-US" smtClean="0"/>
               <a:t>2024/3/10</a:t>
             </a:fld>
@@ -2674,7 +2674,7 @@
           <p:cNvPr id="6" name="页脚占位符 5">
             <a:extLst>
               <a:ext uri="{FF2B5EF4-FFF2-40B4-BE49-F238E27FC236}">
-                <a16:creationId xmlns:a16="http://schemas.microsoft.com/office/drawing/2014/main" id="{3D80E9D8-D958-B8AD-0CEF-2A31F8E6614D}"/>
+                <a16:creationId xmlns:a16="http://schemas.microsoft.com/office/drawing/2014/main" id="{CAA77EFE-BFB0-7595-C6E4-2EC2A077F4C8}"/>
               </a:ext>
             </a:extLst>
           </p:cNvPr>
@@ -2699,7 +2699,7 @@
           <p:cNvPr id="7" name="灯片编号占位符 6">
             <a:extLst>
               <a:ext uri="{FF2B5EF4-FFF2-40B4-BE49-F238E27FC236}">
-                <a16:creationId xmlns:a16="http://schemas.microsoft.com/office/drawing/2014/main" id="{48DF4252-98C1-B194-F692-16206CF3A659}"/>
+                <a16:creationId xmlns:a16="http://schemas.microsoft.com/office/drawing/2014/main" id="{B3FFCB85-4705-F5C7-3883-3FE0AB037632}"/>
               </a:ext>
             </a:extLst>
           </p:cNvPr>
@@ -2715,7 +2715,7 @@
           <a:bodyPr/>
           <a:lstStyle/>
           <a:p>
-            <a:fld id="{C35AA965-74EC-48C2-9BAB-0CE57B6ACF2E}" type="slidenum">
+            <a:fld id="{449A0FC9-C317-4A58-8FB1-97B71D2050F0}" type="slidenum">
               <a:rPr lang="zh-CN" altLang="en-US" smtClean="0"/>
               <a:t>‹#›</a:t>
             </a:fld>
@@ -2726,7 +2726,7 @@
     </p:spTree>
     <p:extLst>
       <p:ext uri="{BB962C8B-B14F-4D97-AF65-F5344CB8AC3E}">
-        <p14:creationId xmlns:p14="http://schemas.microsoft.com/office/powerpoint/2010/main" val="1750518759"/>
+        <p14:creationId xmlns:p14="http://schemas.microsoft.com/office/powerpoint/2010/main" val="431075742"/>
       </p:ext>
     </p:extLst>
   </p:cSld>
@@ -2763,7 +2763,7 @@
           <p:cNvPr id="2" name="标题占位符 1">
             <a:extLst>
               <a:ext uri="{FF2B5EF4-FFF2-40B4-BE49-F238E27FC236}">
-                <a16:creationId xmlns:a16="http://schemas.microsoft.com/office/drawing/2014/main" id="{CC29E149-8719-760A-8AD0-E41659A1A8BE}"/>
+                <a16:creationId xmlns:a16="http://schemas.microsoft.com/office/drawing/2014/main" id="{C768F297-3772-6DE1-06A0-F4B26D7F4DEB}"/>
               </a:ext>
             </a:extLst>
           </p:cNvPr>
@@ -2801,7 +2801,7 @@
           <p:cNvPr id="3" name="文本占位符 2">
             <a:extLst>
               <a:ext uri="{FF2B5EF4-FFF2-40B4-BE49-F238E27FC236}">
-                <a16:creationId xmlns:a16="http://schemas.microsoft.com/office/drawing/2014/main" id="{F6BD90EC-EAD6-0ED3-E23F-3788022A9810}"/>
+                <a16:creationId xmlns:a16="http://schemas.microsoft.com/office/drawing/2014/main" id="{B632FEBB-BE43-EAFF-6C8B-39E8DFCD6D5F}"/>
               </a:ext>
             </a:extLst>
           </p:cNvPr>
@@ -2868,7 +2868,7 @@
           <p:cNvPr id="4" name="日期占位符 3">
             <a:extLst>
               <a:ext uri="{FF2B5EF4-FFF2-40B4-BE49-F238E27FC236}">
-                <a16:creationId xmlns:a16="http://schemas.microsoft.com/office/drawing/2014/main" id="{2B6CC0E1-1D37-DC93-81EB-6E9EA95C1A23}"/>
+                <a16:creationId xmlns:a16="http://schemas.microsoft.com/office/drawing/2014/main" id="{CED99245-B057-64BC-D995-740B9C2E01F5}"/>
               </a:ext>
             </a:extLst>
           </p:cNvPr>
@@ -2902,7 +2902,7 @@
             </a:lvl1pPr>
           </a:lstStyle>
           <a:p>
-            <a:fld id="{2A4A124D-58F0-4B7E-BE69-EBB7F9A15785}" type="datetimeFigureOut">
+            <a:fld id="{9EE7BD8A-C7F3-420D-B80B-18557EDA7131}" type="datetimeFigureOut">
               <a:rPr lang="zh-CN" altLang="en-US" smtClean="0"/>
               <a:t>2024/3/10</a:t>
             </a:fld>
@@ -2915,7 +2915,7 @@
           <p:cNvPr id="5" name="页脚占位符 4">
             <a:extLst>
               <a:ext uri="{FF2B5EF4-FFF2-40B4-BE49-F238E27FC236}">
-                <a16:creationId xmlns:a16="http://schemas.microsoft.com/office/drawing/2014/main" id="{D38BC8F0-7CBB-6BB2-702C-C3EB92D9131E}"/>
+                <a16:creationId xmlns:a16="http://schemas.microsoft.com/office/drawing/2014/main" id="{5C8F4167-168B-D11A-2AB7-0D49A8A197AD}"/>
               </a:ext>
             </a:extLst>
           </p:cNvPr>
@@ -2958,7 +2958,7 @@
           <p:cNvPr id="6" name="灯片编号占位符 5">
             <a:extLst>
               <a:ext uri="{FF2B5EF4-FFF2-40B4-BE49-F238E27FC236}">
-                <a16:creationId xmlns:a16="http://schemas.microsoft.com/office/drawing/2014/main" id="{30C8DFBB-80C7-2CF9-C50B-D6886A2BE2B6}"/>
+                <a16:creationId xmlns:a16="http://schemas.microsoft.com/office/drawing/2014/main" id="{6C969E8B-6911-D650-A62F-C91A1573CD14}"/>
               </a:ext>
             </a:extLst>
           </p:cNvPr>
@@ -2992,7 +2992,7 @@
             </a:lvl1pPr>
           </a:lstStyle>
           <a:p>
-            <a:fld id="{C35AA965-74EC-48C2-9BAB-0CE57B6ACF2E}" type="slidenum">
+            <a:fld id="{449A0FC9-C317-4A58-8FB1-97B71D2050F0}" type="slidenum">
               <a:rPr lang="zh-CN" altLang="en-US" smtClean="0"/>
               <a:t>‹#›</a:t>
             </a:fld>
@@ -3003,7 +3003,7 @@
     </p:spTree>
     <p:extLst>
       <p:ext uri="{BB962C8B-B14F-4D97-AF65-F5344CB8AC3E}">
-        <p14:creationId xmlns:p14="http://schemas.microsoft.com/office/powerpoint/2010/main" val="3292932829"/>
+        <p14:creationId xmlns:p14="http://schemas.microsoft.com/office/powerpoint/2010/main" val="3526315978"/>
       </p:ext>
     </p:extLst>
   </p:cSld>
